--- a/writing/20220705.pptx
+++ b/writing/20220705.pptx
@@ -5,17 +5,18 @@
     <p:sldMasterId id="2147483648" r:id="rId1"/>
   </p:sldMasterIdLst>
   <p:notesMasterIdLst>
-    <p:notesMasterId r:id="rId10"/>
+    <p:notesMasterId r:id="rId11"/>
   </p:notesMasterIdLst>
   <p:sldIdLst>
     <p:sldId id="257" r:id="rId2"/>
     <p:sldId id="260" r:id="rId3"/>
     <p:sldId id="264" r:id="rId4"/>
     <p:sldId id="265" r:id="rId5"/>
-    <p:sldId id="258" r:id="rId6"/>
-    <p:sldId id="259" r:id="rId7"/>
-    <p:sldId id="261" r:id="rId8"/>
-    <p:sldId id="263" r:id="rId9"/>
+    <p:sldId id="266" r:id="rId6"/>
+    <p:sldId id="258" r:id="rId7"/>
+    <p:sldId id="259" r:id="rId8"/>
+    <p:sldId id="261" r:id="rId9"/>
+    <p:sldId id="263" r:id="rId10"/>
   </p:sldIdLst>
   <p:sldSz cx="12192000" cy="6858000"/>
   <p:notesSz cx="6858000" cy="9144000"/>
@@ -204,7 +205,7 @@
           <a:p>
             <a:fld id="{96A78E7B-E312-F44B-8D2B-2E3A2C0B4ACF}" type="datetimeFigureOut">
               <a:rPr lang="en-US" smtClean="0"/>
-              <a:t>7/2/22</a:t>
+              <a:t>7/5/22</a:t>
             </a:fld>
             <a:endParaRPr lang="en-US"/>
           </a:p>
@@ -794,7 +795,7 @@
           <a:p>
             <a:fld id="{15F1861D-9581-4A48-9820-D58A0946BC9C}" type="slidenum">
               <a:rPr lang="en-US" smtClean="0"/>
-              <a:t>5</a:t>
+              <a:t>6</a:t>
             </a:fld>
             <a:endParaRPr lang="en-US"/>
           </a:p>
@@ -881,7 +882,7 @@
           <a:p>
             <a:fld id="{97A8145A-1D52-754A-89DA-2C61F00C9833}" type="slidenum">
               <a:rPr lang="en-US" smtClean="0"/>
-              <a:t>6</a:t>
+              <a:t>7</a:t>
             </a:fld>
             <a:endParaRPr lang="en-US"/>
           </a:p>
@@ -974,7 +975,7 @@
           <a:p>
             <a:fld id="{15F1861D-9581-4A48-9820-D58A0946BC9C}" type="slidenum">
               <a:rPr lang="en-US" smtClean="0"/>
-              <a:t>7</a:t>
+              <a:t>8</a:t>
             </a:fld>
             <a:endParaRPr lang="en-US"/>
           </a:p>
@@ -1164,7 +1165,7 @@
           <a:p>
             <a:fld id="{15F1861D-9581-4A48-9820-D58A0946BC9C}" type="slidenum">
               <a:rPr lang="en-US" smtClean="0"/>
-              <a:t>8</a:t>
+              <a:t>9</a:t>
             </a:fld>
             <a:endParaRPr lang="en-US"/>
           </a:p>
@@ -1330,7 +1331,7 @@
           <a:p>
             <a:fld id="{0D574C51-9ECA-6C4E-AA46-A5B33C47EB28}" type="datetimeFigureOut">
               <a:rPr lang="en-US" smtClean="0"/>
-              <a:t>7/2/22</a:t>
+              <a:t>7/5/22</a:t>
             </a:fld>
             <a:endParaRPr lang="en-US"/>
           </a:p>
@@ -1528,7 +1529,7 @@
           <a:p>
             <a:fld id="{0D574C51-9ECA-6C4E-AA46-A5B33C47EB28}" type="datetimeFigureOut">
               <a:rPr lang="en-US" smtClean="0"/>
-              <a:t>7/2/22</a:t>
+              <a:t>7/5/22</a:t>
             </a:fld>
             <a:endParaRPr lang="en-US"/>
           </a:p>
@@ -1736,7 +1737,7 @@
           <a:p>
             <a:fld id="{0D574C51-9ECA-6C4E-AA46-A5B33C47EB28}" type="datetimeFigureOut">
               <a:rPr lang="en-US" smtClean="0"/>
-              <a:t>7/2/22</a:t>
+              <a:t>7/5/22</a:t>
             </a:fld>
             <a:endParaRPr lang="en-US"/>
           </a:p>
@@ -1934,7 +1935,7 @@
           <a:p>
             <a:fld id="{0D574C51-9ECA-6C4E-AA46-A5B33C47EB28}" type="datetimeFigureOut">
               <a:rPr lang="en-US" smtClean="0"/>
-              <a:t>7/2/22</a:t>
+              <a:t>7/5/22</a:t>
             </a:fld>
             <a:endParaRPr lang="en-US"/>
           </a:p>
@@ -2209,7 +2210,7 @@
           <a:p>
             <a:fld id="{0D574C51-9ECA-6C4E-AA46-A5B33C47EB28}" type="datetimeFigureOut">
               <a:rPr lang="en-US" smtClean="0"/>
-              <a:t>7/2/22</a:t>
+              <a:t>7/5/22</a:t>
             </a:fld>
             <a:endParaRPr lang="en-US"/>
           </a:p>
@@ -2474,7 +2475,7 @@
           <a:p>
             <a:fld id="{0D574C51-9ECA-6C4E-AA46-A5B33C47EB28}" type="datetimeFigureOut">
               <a:rPr lang="en-US" smtClean="0"/>
-              <a:t>7/2/22</a:t>
+              <a:t>7/5/22</a:t>
             </a:fld>
             <a:endParaRPr lang="en-US"/>
           </a:p>
@@ -2886,7 +2887,7 @@
           <a:p>
             <a:fld id="{0D574C51-9ECA-6C4E-AA46-A5B33C47EB28}" type="datetimeFigureOut">
               <a:rPr lang="en-US" smtClean="0"/>
-              <a:t>7/2/22</a:t>
+              <a:t>7/5/22</a:t>
             </a:fld>
             <a:endParaRPr lang="en-US"/>
           </a:p>
@@ -3027,7 +3028,7 @@
           <a:p>
             <a:fld id="{0D574C51-9ECA-6C4E-AA46-A5B33C47EB28}" type="datetimeFigureOut">
               <a:rPr lang="en-US" smtClean="0"/>
-              <a:t>7/2/22</a:t>
+              <a:t>7/5/22</a:t>
             </a:fld>
             <a:endParaRPr lang="en-US"/>
           </a:p>
@@ -3140,7 +3141,7 @@
           <a:p>
             <a:fld id="{0D574C51-9ECA-6C4E-AA46-A5B33C47EB28}" type="datetimeFigureOut">
               <a:rPr lang="en-US" smtClean="0"/>
-              <a:t>7/2/22</a:t>
+              <a:t>7/5/22</a:t>
             </a:fld>
             <a:endParaRPr lang="en-US"/>
           </a:p>
@@ -3451,7 +3452,7 @@
           <a:p>
             <a:fld id="{0D574C51-9ECA-6C4E-AA46-A5B33C47EB28}" type="datetimeFigureOut">
               <a:rPr lang="en-US" smtClean="0"/>
-              <a:t>7/2/22</a:t>
+              <a:t>7/5/22</a:t>
             </a:fld>
             <a:endParaRPr lang="en-US"/>
           </a:p>
@@ -3739,7 +3740,7 @@
           <a:p>
             <a:fld id="{0D574C51-9ECA-6C4E-AA46-A5B33C47EB28}" type="datetimeFigureOut">
               <a:rPr lang="en-US" smtClean="0"/>
-              <a:t>7/2/22</a:t>
+              <a:t>7/5/22</a:t>
             </a:fld>
             <a:endParaRPr lang="en-US"/>
           </a:p>
@@ -3980,7 +3981,7 @@
           <a:p>
             <a:fld id="{0D574C51-9ECA-6C4E-AA46-A5B33C47EB28}" type="datetimeFigureOut">
               <a:rPr lang="en-US" smtClean="0"/>
-              <a:t>7/2/22</a:t>
+              <a:t>7/5/22</a:t>
             </a:fld>
             <a:endParaRPr lang="en-US"/>
           </a:p>
@@ -4572,7 +4573,7 @@
             </a:r>
             <a:r>
               <a:rPr lang="en-US" sz="2000" dirty="0"/>
-              <a:t> to construct initial tree topologies with SH test.</a:t>
+              <a:t> to construct initial tree topologies.</a:t>
             </a:r>
           </a:p>
           <a:p>
@@ -4889,6 +4890,109 @@
 </file>
 
 <file path=ppt/slides/slide5.xml><?xml version="1.0" encoding="utf-8"?>
+<p:sld xmlns:a="http://schemas.openxmlformats.org/drawingml/2006/main" xmlns:r="http://schemas.openxmlformats.org/officeDocument/2006/relationships" xmlns:p="http://schemas.openxmlformats.org/presentationml/2006/main">
+  <p:cSld>
+    <p:spTree>
+      <p:nvGrpSpPr>
+        <p:cNvPr id="1" name=""/>
+        <p:cNvGrpSpPr/>
+        <p:nvPr/>
+      </p:nvGrpSpPr>
+      <p:grpSpPr>
+        <a:xfrm>
+          <a:off x="0" y="0"/>
+          <a:ext cx="0" cy="0"/>
+          <a:chOff x="0" y="0"/>
+          <a:chExt cx="0" cy="0"/>
+        </a:xfrm>
+      </p:grpSpPr>
+      <p:sp>
+        <p:nvSpPr>
+          <p:cNvPr id="3" name="Content Placeholder 2">
+            <a:extLst>
+              <a:ext uri="{FF2B5EF4-FFF2-40B4-BE49-F238E27FC236}">
+                <a16:creationId xmlns:a16="http://schemas.microsoft.com/office/drawing/2014/main" id="{73D6450F-9A7F-D34B-B214-98326E2013E9}"/>
+              </a:ext>
+            </a:extLst>
+          </p:cNvPr>
+          <p:cNvSpPr>
+            <a:spLocks noGrp="1"/>
+          </p:cNvSpPr>
+          <p:nvPr>
+            <p:ph idx="1"/>
+          </p:nvPr>
+        </p:nvSpPr>
+        <p:spPr>
+          <a:xfrm>
+            <a:off x="838199" y="1253331"/>
+            <a:ext cx="10515600" cy="4351338"/>
+          </a:xfrm>
+        </p:spPr>
+        <p:txBody>
+          <a:bodyPr>
+            <a:normAutofit/>
+          </a:bodyPr>
+          <a:lstStyle/>
+          <a:p>
+            <a:r>
+              <a:rPr lang="en-US" sz="2000" dirty="0"/>
+              <a:t>Log-likelihood magnitudes? Getting -4000 or -5000. Does this pass the sniff test?</a:t>
+            </a:r>
+          </a:p>
+        </p:txBody>
+      </p:sp>
+      <p:sp>
+        <p:nvSpPr>
+          <p:cNvPr id="4" name="Title 1">
+            <a:extLst>
+              <a:ext uri="{FF2B5EF4-FFF2-40B4-BE49-F238E27FC236}">
+                <a16:creationId xmlns:a16="http://schemas.microsoft.com/office/drawing/2014/main" id="{AEC6BD8F-1A30-87E2-C5F6-D3E2FC33711E}"/>
+              </a:ext>
+            </a:extLst>
+          </p:cNvPr>
+          <p:cNvSpPr>
+            <a:spLocks noGrp="1"/>
+          </p:cNvSpPr>
+          <p:nvPr>
+            <p:ph type="title"/>
+          </p:nvPr>
+        </p:nvSpPr>
+        <p:spPr>
+          <a:xfrm>
+            <a:off x="502227" y="122314"/>
+            <a:ext cx="11187545" cy="537399"/>
+          </a:xfrm>
+        </p:spPr>
+        <p:txBody>
+          <a:bodyPr>
+            <a:noAutofit/>
+          </a:bodyPr>
+          <a:lstStyle/>
+          <a:p>
+            <a:pPr algn="ctr"/>
+            <a:r>
+              <a:rPr lang="en-US" sz="3000" b="1" dirty="0">
+                <a:latin typeface="+mn-lt"/>
+              </a:rPr>
+              <a:t>Questions</a:t>
+            </a:r>
+          </a:p>
+        </p:txBody>
+      </p:sp>
+    </p:spTree>
+    <p:extLst>
+      <p:ext uri="{BB962C8B-B14F-4D97-AF65-F5344CB8AC3E}">
+        <p14:creationId xmlns:p14="http://schemas.microsoft.com/office/powerpoint/2010/main" val="11280574"/>
+      </p:ext>
+    </p:extLst>
+  </p:cSld>
+  <p:clrMapOvr>
+    <a:masterClrMapping/>
+  </p:clrMapOvr>
+</p:sld>
+</file>
+
+<file path=ppt/slides/slide6.xml><?xml version="1.0" encoding="utf-8"?>
 <p:sld xmlns:a="http://schemas.openxmlformats.org/drawingml/2006/main" xmlns:r="http://schemas.openxmlformats.org/officeDocument/2006/relationships" xmlns:p="http://schemas.openxmlformats.org/presentationml/2006/main">
   <p:cSld>
     <p:spTree>
@@ -5150,7 +5254,7 @@
 </p:sld>
 </file>
 
-<file path=ppt/slides/slide6.xml><?xml version="1.0" encoding="utf-8"?>
+<file path=ppt/slides/slide7.xml><?xml version="1.0" encoding="utf-8"?>
 <p:sld xmlns:a="http://schemas.openxmlformats.org/drawingml/2006/main" xmlns:r="http://schemas.openxmlformats.org/officeDocument/2006/relationships" xmlns:p="http://schemas.openxmlformats.org/presentationml/2006/main">
   <p:cSld>
     <p:spTree>
@@ -5209,7 +5313,7 @@
 </p:sld>
 </file>
 
-<file path=ppt/slides/slide7.xml><?xml version="1.0" encoding="utf-8"?>
+<file path=ppt/slides/slide8.xml><?xml version="1.0" encoding="utf-8"?>
 <p:sld xmlns:a="http://schemas.openxmlformats.org/drawingml/2006/main" xmlns:r="http://schemas.openxmlformats.org/officeDocument/2006/relationships" xmlns:p="http://schemas.openxmlformats.org/presentationml/2006/main">
   <p:cSld>
     <p:spTree>
@@ -5268,7 +5372,7 @@
 </p:sld>
 </file>
 
-<file path=ppt/slides/slide8.xml><?xml version="1.0" encoding="utf-8"?>
+<file path=ppt/slides/slide9.xml><?xml version="1.0" encoding="utf-8"?>
 <p:sld xmlns:a="http://schemas.openxmlformats.org/drawingml/2006/main" xmlns:r="http://schemas.openxmlformats.org/officeDocument/2006/relationships" xmlns:p="http://schemas.openxmlformats.org/presentationml/2006/main">
   <p:cSld>
     <p:spTree>
